--- a/Companion_day3.pptx
+++ b/Companion_day3.pptx
@@ -105,6 +105,11 @@
       </a:defRPr>
     </a:lvl9pPr>
   </p:defaultTextStyle>
+  <p:extLst>
+    <p:ext uri="{EFAFB233-063F-42B5-8137-9DF3F51BA10A}">
+      <p15:sldGuideLst xmlns:p15="http://schemas.microsoft.com/office/powerpoint/2012/main"/>
+    </p:ext>
+  </p:extLst>
 </p:presentation>
 </file>
 
@@ -6035,14 +6040,14 @@
           <a:p>
             <a:r>
               <a:rPr lang="en-US" sz="3200" dirty="0"/>
-              <a:t>-Story is more than halfway finished</a:t>
+              <a:t>-Story is almost finished</a:t>
             </a:r>
             <a:br>
               <a:rPr lang="en-US" sz="3200" dirty="0"/>
             </a:br>
             <a:r>
               <a:rPr lang="en-US" sz="3200" dirty="0"/>
-              <a:t>-Made progress on User login page</a:t>
+              <a:t>- Finished User login page</a:t>
             </a:r>
             <a:br>
               <a:rPr lang="en-US" sz="3200" dirty="0"/>

--- a/Companion_day3.pptx
+++ b/Companion_day3.pptx
@@ -7,6 +7,7 @@
   <p:sldIdLst>
     <p:sldId id="256" r:id="rId2"/>
     <p:sldId id="257" r:id="rId3"/>
+    <p:sldId id="258" r:id="rId4"/>
   </p:sldIdLst>
   <p:sldSz cx="12192000" cy="6858000"/>
   <p:notesSz cx="6858000" cy="9144000"/>
@@ -6328,6 +6329,92 @@
 </p:sld>
 </file>
 
+<file path=ppt/slides/slide3.xml><?xml version="1.0" encoding="utf-8"?>
+<p:sld xmlns:a="http://schemas.openxmlformats.org/drawingml/2006/main" xmlns:r="http://schemas.openxmlformats.org/officeDocument/2006/relationships" xmlns:p="http://schemas.openxmlformats.org/presentationml/2006/main">
+  <p:cSld>
+    <p:spTree>
+      <p:nvGrpSpPr>
+        <p:cNvPr id="1" name=""/>
+        <p:cNvGrpSpPr/>
+        <p:nvPr/>
+      </p:nvGrpSpPr>
+      <p:grpSpPr>
+        <a:xfrm>
+          <a:off x="0" y="0"/>
+          <a:ext cx="0" cy="0"/>
+          <a:chOff x="0" y="0"/>
+          <a:chExt cx="0" cy="0"/>
+        </a:xfrm>
+      </p:grpSpPr>
+      <p:sp>
+        <p:nvSpPr>
+          <p:cNvPr id="2" name="Title 1">
+            <a:extLst>
+              <a:ext uri="{FF2B5EF4-FFF2-40B4-BE49-F238E27FC236}">
+                <a16:creationId xmlns:a16="http://schemas.microsoft.com/office/drawing/2014/main" id="{6E86DEAF-459E-4A2B-8F16-4A47CF9C3DD0}"/>
+              </a:ext>
+            </a:extLst>
+          </p:cNvPr>
+          <p:cNvSpPr>
+            <a:spLocks noGrp="1"/>
+          </p:cNvSpPr>
+          <p:nvPr>
+            <p:ph type="title"/>
+          </p:nvPr>
+        </p:nvSpPr>
+        <p:spPr/>
+        <p:txBody>
+          <a:bodyPr/>
+          <a:lstStyle/>
+          <a:p>
+            <a:r>
+              <a:rPr lang="en-US" dirty="0"/>
+              <a:t>LINK!!!</a:t>
+            </a:r>
+          </a:p>
+        </p:txBody>
+      </p:sp>
+      <p:sp>
+        <p:nvSpPr>
+          <p:cNvPr id="3" name="Content Placeholder 2">
+            <a:extLst>
+              <a:ext uri="{FF2B5EF4-FFF2-40B4-BE49-F238E27FC236}">
+                <a16:creationId xmlns:a16="http://schemas.microsoft.com/office/drawing/2014/main" id="{2B6926C4-4DE9-458D-B0B2-A5041AB0811C}"/>
+              </a:ext>
+            </a:extLst>
+          </p:cNvPr>
+          <p:cNvSpPr>
+            <a:spLocks noGrp="1"/>
+          </p:cNvSpPr>
+          <p:nvPr>
+            <p:ph idx="1"/>
+          </p:nvPr>
+        </p:nvSpPr>
+        <p:spPr/>
+        <p:txBody>
+          <a:bodyPr/>
+          <a:lstStyle/>
+          <a:p>
+            <a:r>
+              <a:rPr lang="en-US" dirty="0"/>
+              <a:t>https://companion-248917.appspot.com</a:t>
+            </a:r>
+          </a:p>
+        </p:txBody>
+      </p:sp>
+    </p:spTree>
+    <p:extLst>
+      <p:ext uri="{BB962C8B-B14F-4D97-AF65-F5344CB8AC3E}">
+        <p14:creationId xmlns:p14="http://schemas.microsoft.com/office/powerpoint/2010/main" val="167650333"/>
+      </p:ext>
+    </p:extLst>
+  </p:cSld>
+  <p:clrMapOvr>
+    <a:masterClrMapping/>
+  </p:clrMapOvr>
+</p:sld>
+</file>
+
 <file path=ppt/theme/theme1.xml><?xml version="1.0" encoding="utf-8"?>
 <a:theme xmlns:a="http://schemas.openxmlformats.org/drawingml/2006/main" name="Ion">
   <a:themeElements>

--- a/Companion_day3.pptx
+++ b/Companion_day3.pptx
@@ -297,7 +297,7 @@
           <a:p>
             <a:fld id="{4AAD347D-5ACD-4C99-B74B-A9C85AD731AF}" type="datetimeFigureOut">
               <a:rPr lang="en-US" dirty="0"/>
-              <a:t>8/7/2019</a:t>
+              <a:t>8/8/2019</a:t>
             </a:fld>
             <a:endParaRPr lang="en-US" dirty="0"/>
           </a:p>
@@ -566,7 +566,7 @@
           <a:p>
             <a:fld id="{4509A250-FF31-4206-8172-F9D3106AACB1}" type="datetimeFigureOut">
               <a:rPr lang="en-US" dirty="0"/>
-              <a:t>8/7/2019</a:t>
+              <a:t>8/8/2019</a:t>
             </a:fld>
             <a:endParaRPr lang="en-US" dirty="0"/>
           </a:p>
@@ -755,7 +755,7 @@
           <a:p>
             <a:fld id="{4509A250-FF31-4206-8172-F9D3106AACB1}" type="datetimeFigureOut">
               <a:rPr lang="en-US" dirty="0"/>
-              <a:t>8/7/2019</a:t>
+              <a:t>8/8/2019</a:t>
             </a:fld>
             <a:endParaRPr lang="en-US" dirty="0"/>
           </a:p>
@@ -1018,7 +1018,7 @@
           <a:p>
             <a:fld id="{4509A250-FF31-4206-8172-F9D3106AACB1}" type="datetimeFigureOut">
               <a:rPr lang="en-US" dirty="0"/>
-              <a:t>8/7/2019</a:t>
+              <a:t>8/8/2019</a:t>
             </a:fld>
             <a:endParaRPr lang="en-US" dirty="0"/>
           </a:p>
@@ -1345,7 +1345,7 @@
           <a:p>
             <a:fld id="{4509A250-FF31-4206-8172-F9D3106AACB1}" type="datetimeFigureOut">
               <a:rPr lang="en-US" dirty="0"/>
-              <a:t>8/7/2019</a:t>
+              <a:t>8/8/2019</a:t>
             </a:fld>
             <a:endParaRPr lang="en-US" dirty="0"/>
           </a:p>
@@ -1950,7 +1950,7 @@
           <a:p>
             <a:fld id="{4509A250-FF31-4206-8172-F9D3106AACB1}" type="datetimeFigureOut">
               <a:rPr lang="en-US" dirty="0"/>
-              <a:t>8/7/2019</a:t>
+              <a:t>8/8/2019</a:t>
             </a:fld>
             <a:endParaRPr lang="en-US" dirty="0"/>
           </a:p>
@@ -2789,7 +2789,7 @@
           <a:p>
             <a:fld id="{4509A250-FF31-4206-8172-F9D3106AACB1}" type="datetimeFigureOut">
               <a:rPr lang="en-US" dirty="0"/>
-              <a:t>8/7/2019</a:t>
+              <a:t>8/8/2019</a:t>
             </a:fld>
             <a:endParaRPr lang="en-US" dirty="0"/>
           </a:p>
@@ -2954,7 +2954,7 @@
           <a:p>
             <a:fld id="{4509A250-FF31-4206-8172-F9D3106AACB1}" type="datetimeFigureOut">
               <a:rPr lang="en-US" dirty="0"/>
-              <a:t>8/7/2019</a:t>
+              <a:t>8/8/2019</a:t>
             </a:fld>
             <a:endParaRPr lang="en-US" dirty="0"/>
           </a:p>
@@ -3129,7 +3129,7 @@
           <a:p>
             <a:fld id="{4509A250-FF31-4206-8172-F9D3106AACB1}" type="datetimeFigureOut">
               <a:rPr lang="en-US" dirty="0"/>
-              <a:t>8/7/2019</a:t>
+              <a:t>8/8/2019</a:t>
             </a:fld>
             <a:endParaRPr lang="en-US" dirty="0"/>
           </a:p>
@@ -3294,7 +3294,7 @@
           <a:p>
             <a:fld id="{4509A250-FF31-4206-8172-F9D3106AACB1}" type="datetimeFigureOut">
               <a:rPr lang="en-US" dirty="0"/>
-              <a:t>8/7/2019</a:t>
+              <a:t>8/8/2019</a:t>
             </a:fld>
             <a:endParaRPr lang="en-US" dirty="0"/>
           </a:p>
@@ -3533,7 +3533,7 @@
           <a:p>
             <a:fld id="{4509A250-FF31-4206-8172-F9D3106AACB1}" type="datetimeFigureOut">
               <a:rPr lang="en-US" dirty="0"/>
-              <a:t>8/7/2019</a:t>
+              <a:t>8/8/2019</a:t>
             </a:fld>
             <a:endParaRPr lang="en-US" dirty="0"/>
           </a:p>
@@ -3820,7 +3820,7 @@
           <a:p>
             <a:fld id="{4509A250-FF31-4206-8172-F9D3106AACB1}" type="datetimeFigureOut">
               <a:rPr lang="en-US" dirty="0"/>
-              <a:t>8/7/2019</a:t>
+              <a:t>8/8/2019</a:t>
             </a:fld>
             <a:endParaRPr lang="en-US" dirty="0"/>
           </a:p>
@@ -4253,7 +4253,7 @@
           <a:p>
             <a:fld id="{4509A250-FF31-4206-8172-F9D3106AACB1}" type="datetimeFigureOut">
               <a:rPr lang="en-US" dirty="0"/>
-              <a:t>8/7/2019</a:t>
+              <a:t>8/8/2019</a:t>
             </a:fld>
             <a:endParaRPr lang="en-US" dirty="0"/>
           </a:p>
@@ -4366,7 +4366,7 @@
           <a:p>
             <a:fld id="{4509A250-FF31-4206-8172-F9D3106AACB1}" type="datetimeFigureOut">
               <a:rPr lang="en-US" dirty="0"/>
-              <a:t>8/7/2019</a:t>
+              <a:t>8/8/2019</a:t>
             </a:fld>
             <a:endParaRPr lang="en-US" dirty="0"/>
           </a:p>
@@ -4456,7 +4456,7 @@
           <a:p>
             <a:fld id="{4509A250-FF31-4206-8172-F9D3106AACB1}" type="datetimeFigureOut">
               <a:rPr lang="en-US" dirty="0"/>
-              <a:t>8/7/2019</a:t>
+              <a:t>8/8/2019</a:t>
             </a:fld>
             <a:endParaRPr lang="en-US" dirty="0"/>
           </a:p>
@@ -4730,7 +4730,7 @@
           <a:p>
             <a:fld id="{4509A250-FF31-4206-8172-F9D3106AACB1}" type="datetimeFigureOut">
               <a:rPr lang="en-US" dirty="0"/>
-              <a:t>8/7/2019</a:t>
+              <a:t>8/8/2019</a:t>
             </a:fld>
             <a:endParaRPr lang="en-US" dirty="0"/>
           </a:p>
@@ -4999,7 +4999,7 @@
           <a:p>
             <a:fld id="{4509A250-FF31-4206-8172-F9D3106AACB1}" type="datetimeFigureOut">
               <a:rPr lang="en-US" dirty="0"/>
-              <a:t>8/7/2019</a:t>
+              <a:t>8/8/2019</a:t>
             </a:fld>
             <a:endParaRPr lang="en-US" dirty="0"/>
           </a:p>
@@ -5423,7 +5423,7 @@
           <a:p>
             <a:fld id="{4509A250-FF31-4206-8172-F9D3106AACB1}" type="datetimeFigureOut">
               <a:rPr lang="en-US" dirty="0"/>
-              <a:t>8/7/2019</a:t>
+              <a:t>8/8/2019</a:t>
             </a:fld>
             <a:endParaRPr lang="en-US" dirty="0"/>
           </a:p>
@@ -5950,7 +5950,7 @@
             </a:br>
             <a:r>
               <a:rPr lang="en-US" dirty="0"/>
-              <a:t>8/7/19</a:t>
+              <a:t>8/8/19</a:t>
             </a:r>
           </a:p>
         </p:txBody>
@@ -6031,8 +6031,8 @@
         </p:nvSpPr>
         <p:spPr>
           <a:xfrm>
-            <a:off x="80133" y="167280"/>
-            <a:ext cx="8825658" cy="3301507"/>
+            <a:off x="80132" y="167281"/>
+            <a:ext cx="9384709" cy="2775444"/>
           </a:xfrm>
         </p:spPr>
         <p:txBody>
@@ -6041,29 +6041,33 @@
           <a:p>
             <a:r>
               <a:rPr lang="en-US" sz="3200" dirty="0"/>
-              <a:t>-Story is almost finished</a:t>
+              <a:t>-Story is finished</a:t>
             </a:r>
             <a:br>
               <a:rPr lang="en-US" sz="3200" dirty="0"/>
             </a:br>
             <a:r>
               <a:rPr lang="en-US" sz="3200" dirty="0"/>
-              <a:t>- Finished User login page</a:t>
+              <a:t>-Everything is currently working</a:t>
             </a:r>
             <a:br>
               <a:rPr lang="en-US" sz="3200" dirty="0"/>
             </a:br>
             <a:r>
               <a:rPr lang="en-US" sz="3200" dirty="0"/>
-              <a:t>-CSS for webpage and text</a:t>
+              <a:t>-Working on Final presentation </a:t>
             </a:r>
             <a:br>
               <a:rPr lang="en-US" sz="3200" dirty="0"/>
             </a:br>
             <a:r>
               <a:rPr lang="en-US" sz="3200" dirty="0"/>
-              <a:t>-On schedule to complete by Friday with possibility of adding extras details for aesthetic</a:t>
-            </a:r>
+              <a:t>-</a:t>
+            </a:r>
+            <a:br>
+              <a:rPr lang="en-US" sz="3200" dirty="0"/>
+            </a:br>
+            <a:endParaRPr lang="en-US" sz="3200" dirty="0"/>
           </a:p>
         </p:txBody>
       </p:sp>
@@ -6085,8 +6089,8 @@
         </p:nvSpPr>
         <p:spPr>
           <a:xfrm rot="21185303">
-            <a:off x="1082872" y="4577086"/>
-            <a:ext cx="8825658" cy="959406"/>
+            <a:off x="494959" y="3637976"/>
+            <a:ext cx="9479510" cy="959406"/>
           </a:xfrm>
         </p:spPr>
         <p:txBody>
@@ -6104,8 +6108,15 @@
             </a:br>
             <a:r>
               <a:rPr lang="en-US" dirty="0"/>
-              <a:t>thank u enjoy u day :&gt;</a:t>
-            </a:r>
+              <a:t>thank u enjoy u day :&gt; </a:t>
+            </a:r>
+            <a:r>
+              <a:rPr lang="en-US" dirty="0">
+                <a:sym typeface="Wingdings" panose="05000000000000000000" pitchFamily="2" charset="2"/>
+              </a:rPr>
+              <a:t> :] :} :&gt;</a:t>
+            </a:r>
+            <a:endParaRPr lang="en-US" dirty="0"/>
           </a:p>
         </p:txBody>
       </p:sp>
